--- a/PizzaParty - IDP-FE Guide.pptx
+++ b/PizzaParty - IDP-FE Guide.pptx
@@ -214,7 +214,7 @@
           <a:p>
             <a:fld id="{493F2D89-8D74-4771-9B84-F8D68ACF1E9C}" type="datetimeFigureOut">
               <a:rPr lang="it-IT" smtClean="0"/>
-              <a:t>20/06/2024</a:t>
+              <a:t>21/06/2024</a:t>
             </a:fld>
             <a:endParaRPr lang="it-IT"/>
           </a:p>
@@ -1692,7 +1692,7 @@
           <a:p>
             <a:fld id="{61F951DB-826C-4016-A4F4-3F3639A78377}" type="datetimeFigureOut">
               <a:rPr lang="it-IT" smtClean="0"/>
-              <a:t>20/06/2024</a:t>
+              <a:t>21/06/2024</a:t>
             </a:fld>
             <a:endParaRPr lang="it-IT"/>
           </a:p>
@@ -1930,7 +1930,7 @@
           <a:p>
             <a:fld id="{61F951DB-826C-4016-A4F4-3F3639A78377}" type="datetimeFigureOut">
               <a:rPr lang="it-IT" smtClean="0"/>
-              <a:t>20/06/2024</a:t>
+              <a:t>21/06/2024</a:t>
             </a:fld>
             <a:endParaRPr lang="it-IT"/>
           </a:p>
@@ -2110,7 +2110,7 @@
           <a:p>
             <a:fld id="{61F951DB-826C-4016-A4F4-3F3639A78377}" type="datetimeFigureOut">
               <a:rPr lang="it-IT" smtClean="0"/>
-              <a:t>20/06/2024</a:t>
+              <a:t>21/06/2024</a:t>
             </a:fld>
             <a:endParaRPr lang="it-IT"/>
           </a:p>
@@ -2280,7 +2280,7 @@
           <a:p>
             <a:fld id="{61F951DB-826C-4016-A4F4-3F3639A78377}" type="datetimeFigureOut">
               <a:rPr lang="it-IT" smtClean="0"/>
-              <a:t>20/06/2024</a:t>
+              <a:t>21/06/2024</a:t>
             </a:fld>
             <a:endParaRPr lang="it-IT"/>
           </a:p>
@@ -2556,7 +2556,7 @@
           <a:p>
             <a:fld id="{61F951DB-826C-4016-A4F4-3F3639A78377}" type="datetimeFigureOut">
               <a:rPr lang="it-IT" smtClean="0"/>
-              <a:t>20/06/2024</a:t>
+              <a:t>21/06/2024</a:t>
             </a:fld>
             <a:endParaRPr lang="it-IT"/>
           </a:p>
@@ -3757,7 +3757,7 @@
           <a:p>
             <a:fld id="{61F951DB-826C-4016-A4F4-3F3639A78377}" type="datetimeFigureOut">
               <a:rPr lang="it-IT" smtClean="0"/>
-              <a:t>20/06/2024</a:t>
+              <a:t>21/06/2024</a:t>
             </a:fld>
             <a:endParaRPr lang="it-IT"/>
           </a:p>
@@ -4147,7 +4147,7 @@
           <a:p>
             <a:fld id="{61F951DB-826C-4016-A4F4-3F3639A78377}" type="datetimeFigureOut">
               <a:rPr lang="it-IT" smtClean="0"/>
-              <a:t>20/06/2024</a:t>
+              <a:t>21/06/2024</a:t>
             </a:fld>
             <a:endParaRPr lang="it-IT"/>
           </a:p>
@@ -4270,7 +4270,7 @@
           <a:p>
             <a:fld id="{61F951DB-826C-4016-A4F4-3F3639A78377}" type="datetimeFigureOut">
               <a:rPr lang="it-IT" smtClean="0"/>
-              <a:t>20/06/2024</a:t>
+              <a:t>21/06/2024</a:t>
             </a:fld>
             <a:endParaRPr lang="it-IT"/>
           </a:p>
@@ -4365,7 +4365,7 @@
           <a:p>
             <a:fld id="{61F951DB-826C-4016-A4F4-3F3639A78377}" type="datetimeFigureOut">
               <a:rPr lang="it-IT" smtClean="0"/>
-              <a:t>20/06/2024</a:t>
+              <a:t>21/06/2024</a:t>
             </a:fld>
             <a:endParaRPr lang="it-IT"/>
           </a:p>
@@ -5128,7 +5128,7 @@
           <a:p>
             <a:fld id="{61F951DB-826C-4016-A4F4-3F3639A78377}" type="datetimeFigureOut">
               <a:rPr lang="it-IT" smtClean="0"/>
-              <a:t>20/06/2024</a:t>
+              <a:t>21/06/2024</a:t>
             </a:fld>
             <a:endParaRPr lang="it-IT"/>
           </a:p>
@@ -5968,7 +5968,7 @@
           <a:p>
             <a:fld id="{61F951DB-826C-4016-A4F4-3F3639A78377}" type="datetimeFigureOut">
               <a:rPr lang="it-IT" smtClean="0"/>
-              <a:t>20/06/2024</a:t>
+              <a:t>21/06/2024</a:t>
             </a:fld>
             <a:endParaRPr lang="it-IT"/>
           </a:p>
@@ -6195,7 +6195,7 @@
           <a:p>
             <a:fld id="{61F951DB-826C-4016-A4F4-3F3639A78377}" type="datetimeFigureOut">
               <a:rPr lang="it-IT" smtClean="0"/>
-              <a:t>20/06/2024</a:t>
+              <a:t>21/06/2024</a:t>
             </a:fld>
             <a:endParaRPr lang="it-IT"/>
           </a:p>
@@ -8257,12 +8257,8 @@
               <a:t>Qualsiasi BE che non sia IDP deve avere il campo </a:t>
             </a:r>
             <a:r>
-              <a:rPr lang="it-IT" dirty="0" err="1"/>
-              <a:t>Aut</a:t>
-            </a:r>
-            <a:r>
-              <a:rPr lang="it-IT" b="1" dirty="0" err="1"/>
-              <a:t>horization</a:t>
+              <a:rPr lang="it-IT" b="1" u="sng" dirty="0" err="1"/>
+              <a:t>Authorization</a:t>
             </a:r>
             <a:r>
               <a:rPr lang="it-IT" b="1" dirty="0"/>
